--- a/Discussions/Entrance Tank.pptx
+++ b/Discussions/Entrance Tank.pptx
@@ -5,32 +5,33 @@
     <p:sldMasterId id="2147483718" r:id="rId1"/>
   </p:sldMasterIdLst>
   <p:notesMasterIdLst>
-    <p:notesMasterId r:id="rId5"/>
+    <p:notesMasterId r:id="rId6"/>
   </p:notesMasterIdLst>
   <p:handoutMasterIdLst>
-    <p:handoutMasterId r:id="rId6"/>
+    <p:handoutMasterId r:id="rId7"/>
   </p:handoutMasterIdLst>
   <p:sldIdLst>
     <p:sldId id="306" r:id="rId2"/>
     <p:sldId id="307" r:id="rId3"/>
     <p:sldId id="308" r:id="rId4"/>
+    <p:sldId id="377" r:id="rId5"/>
   </p:sldIdLst>
   <p:sldSz cx="12192000" cy="6858000"/>
-  <p:notesSz cx="7315200" cy="9601200"/>
+  <p:notesSz cx="7010400" cy="9296400"/>
   <p:embeddedFontLst>
     <p:embeddedFont>
       <p:font typeface="Candara" panose="020E0502030303020204" pitchFamily="34" charset="0"/>
-      <p:regular r:id="rId7"/>
-      <p:bold r:id="rId8"/>
-      <p:italic r:id="rId9"/>
-      <p:boldItalic r:id="rId10"/>
+      <p:regular r:id="rId8"/>
+      <p:bold r:id="rId9"/>
+      <p:italic r:id="rId10"/>
+      <p:boldItalic r:id="rId11"/>
     </p:embeddedFont>
     <p:embeddedFont>
       <p:font typeface="Century Gothic" panose="020B0502020202020204" pitchFamily="34" charset="0"/>
-      <p:regular r:id="rId11"/>
-      <p:bold r:id="rId12"/>
-      <p:italic r:id="rId13"/>
-      <p:boldItalic r:id="rId14"/>
+      <p:regular r:id="rId12"/>
+      <p:bold r:id="rId13"/>
+      <p:italic r:id="rId14"/>
+      <p:boldItalic r:id="rId15"/>
     </p:embeddedFont>
   </p:embeddedFontLst>
   <p:defaultTextStyle>
@@ -175,12 +176,12 @@
     </p:ext>
     <p:ext uri="{2D200454-40CA-4A62-9FC3-DE9A4176ACB9}">
       <p15:notesGuideLst xmlns:p15="http://schemas.microsoft.com/office/powerpoint/2012/main">
-        <p15:guide id="1" orient="horz" pos="3024">
+        <p15:guide id="1" orient="horz" pos="2928" userDrawn="1">
           <p15:clr>
             <a:srgbClr val="A4A3A4"/>
           </p15:clr>
         </p15:guide>
-        <p15:guide id="2" pos="2304">
+        <p15:guide id="2" pos="2208" userDrawn="1">
           <p15:clr>
             <a:srgbClr val="A4A3A4"/>
           </p15:clr>
@@ -228,8 +229,8 @@
         </p:nvSpPr>
         <p:spPr bwMode="auto">
           <a:xfrm>
-            <a:off x="0" y="0"/>
-            <a:ext cx="3170238" cy="479425"/>
+            <a:off x="0" y="1"/>
+            <a:ext cx="3038145" cy="464205"/>
           </a:xfrm>
           <a:prstGeom prst="rect">
             <a:avLst/>
@@ -244,13 +245,13 @@
           <a:effectLst/>
         </p:spPr>
         <p:txBody>
-          <a:bodyPr vert="horz" wrap="square" lIns="96661" tIns="48331" rIns="96661" bIns="48331" numCol="1" anchor="t" anchorCtr="0" compatLnSpc="1">
+          <a:bodyPr vert="horz" wrap="square" lIns="93172" tIns="46586" rIns="93172" bIns="46586" numCol="1" anchor="t" anchorCtr="0" compatLnSpc="1">
             <a:prstTxWarp prst="textNoShape">
               <a:avLst/>
             </a:prstTxWarp>
           </a:bodyPr>
           <a:lstStyle>
-            <a:lvl1pPr defTabSz="966788">
+            <a:lvl1pPr defTabSz="931887">
               <a:defRPr sz="1300">
                 <a:latin typeface="Arial" charset="0"/>
               </a:defRPr>
@@ -273,8 +274,8 @@
         </p:nvSpPr>
         <p:spPr bwMode="auto">
           <a:xfrm>
-            <a:off x="4143375" y="0"/>
-            <a:ext cx="3170238" cy="479425"/>
+            <a:off x="3970734" y="1"/>
+            <a:ext cx="3038145" cy="464205"/>
           </a:xfrm>
           <a:prstGeom prst="rect">
             <a:avLst/>
@@ -289,13 +290,13 @@
           <a:effectLst/>
         </p:spPr>
         <p:txBody>
-          <a:bodyPr vert="horz" wrap="square" lIns="96661" tIns="48331" rIns="96661" bIns="48331" numCol="1" anchor="t" anchorCtr="0" compatLnSpc="1">
+          <a:bodyPr vert="horz" wrap="square" lIns="93172" tIns="46586" rIns="93172" bIns="46586" numCol="1" anchor="t" anchorCtr="0" compatLnSpc="1">
             <a:prstTxWarp prst="textNoShape">
               <a:avLst/>
             </a:prstTxWarp>
           </a:bodyPr>
           <a:lstStyle>
-            <a:lvl1pPr algn="r" defTabSz="966788">
+            <a:lvl1pPr algn="r" defTabSz="931887">
               <a:defRPr sz="1300">
                 <a:latin typeface="Arial" charset="0"/>
               </a:defRPr>
@@ -318,8 +319,8 @@
         </p:nvSpPr>
         <p:spPr bwMode="auto">
           <a:xfrm>
-            <a:off x="0" y="9120188"/>
-            <a:ext cx="4724400" cy="479425"/>
+            <a:off x="0" y="8830659"/>
+            <a:ext cx="4527550" cy="464205"/>
           </a:xfrm>
           <a:prstGeom prst="rect">
             <a:avLst/>
@@ -334,13 +335,13 @@
           <a:effectLst/>
         </p:spPr>
         <p:txBody>
-          <a:bodyPr vert="horz" wrap="square" lIns="96661" tIns="48331" rIns="96661" bIns="48331" numCol="1" anchor="b" anchorCtr="0" compatLnSpc="1">
+          <a:bodyPr vert="horz" wrap="square" lIns="93172" tIns="46586" rIns="93172" bIns="46586" numCol="1" anchor="b" anchorCtr="0" compatLnSpc="1">
             <a:prstTxWarp prst="textNoShape">
               <a:avLst/>
             </a:prstTxWarp>
           </a:bodyPr>
           <a:lstStyle>
-            <a:lvl1pPr defTabSz="966788">
+            <a:lvl1pPr defTabSz="931887">
               <a:defRPr sz="1300">
                 <a:latin typeface="Arial" charset="0"/>
               </a:defRPr>
@@ -372,8 +373,8 @@
         </p:nvSpPr>
         <p:spPr bwMode="auto">
           <a:xfrm>
-            <a:off x="4143375" y="9120188"/>
-            <a:ext cx="3170238" cy="479425"/>
+            <a:off x="3970734" y="8830659"/>
+            <a:ext cx="3038145" cy="464205"/>
           </a:xfrm>
           <a:prstGeom prst="rect">
             <a:avLst/>
@@ -388,13 +389,13 @@
           <a:effectLst/>
         </p:spPr>
         <p:txBody>
-          <a:bodyPr vert="horz" wrap="square" lIns="96661" tIns="48331" rIns="96661" bIns="48331" numCol="1" anchor="b" anchorCtr="0" compatLnSpc="1">
+          <a:bodyPr vert="horz" wrap="square" lIns="93172" tIns="46586" rIns="93172" bIns="46586" numCol="1" anchor="b" anchorCtr="0" compatLnSpc="1">
             <a:prstTxWarp prst="textNoShape">
               <a:avLst/>
             </a:prstTxWarp>
           </a:bodyPr>
           <a:lstStyle>
-            <a:lvl1pPr algn="r" defTabSz="966788">
+            <a:lvl1pPr algn="r" defTabSz="931887">
               <a:defRPr sz="1300">
                 <a:latin typeface="Arial" charset="0"/>
               </a:defRPr>
@@ -458,8 +459,8 @@
         </p:nvSpPr>
         <p:spPr bwMode="auto">
           <a:xfrm>
-            <a:off x="0" y="0"/>
-            <a:ext cx="3170238" cy="479425"/>
+            <a:off x="0" y="1"/>
+            <a:ext cx="3038145" cy="464205"/>
           </a:xfrm>
           <a:prstGeom prst="rect">
             <a:avLst/>
@@ -474,13 +475,13 @@
           <a:effectLst/>
         </p:spPr>
         <p:txBody>
-          <a:bodyPr vert="horz" wrap="square" lIns="96661" tIns="48331" rIns="96661" bIns="48331" numCol="1" anchor="t" anchorCtr="0" compatLnSpc="1">
+          <a:bodyPr vert="horz" wrap="square" lIns="93172" tIns="46586" rIns="93172" bIns="46586" numCol="1" anchor="t" anchorCtr="0" compatLnSpc="1">
             <a:prstTxWarp prst="textNoShape">
               <a:avLst/>
             </a:prstTxWarp>
           </a:bodyPr>
           <a:lstStyle>
-            <a:lvl1pPr defTabSz="966788">
+            <a:lvl1pPr defTabSz="931887">
               <a:defRPr sz="1300">
                 <a:latin typeface="Arial" charset="0"/>
               </a:defRPr>
@@ -503,8 +504,8 @@
         </p:nvSpPr>
         <p:spPr bwMode="auto">
           <a:xfrm>
-            <a:off x="4143375" y="0"/>
-            <a:ext cx="3170238" cy="479425"/>
+            <a:off x="3970734" y="1"/>
+            <a:ext cx="3038145" cy="464205"/>
           </a:xfrm>
           <a:prstGeom prst="rect">
             <a:avLst/>
@@ -519,13 +520,13 @@
           <a:effectLst/>
         </p:spPr>
         <p:txBody>
-          <a:bodyPr vert="horz" wrap="square" lIns="96661" tIns="48331" rIns="96661" bIns="48331" numCol="1" anchor="t" anchorCtr="0" compatLnSpc="1">
+          <a:bodyPr vert="horz" wrap="square" lIns="93172" tIns="46586" rIns="93172" bIns="46586" numCol="1" anchor="t" anchorCtr="0" compatLnSpc="1">
             <a:prstTxWarp prst="textNoShape">
               <a:avLst/>
             </a:prstTxWarp>
           </a:bodyPr>
           <a:lstStyle>
-            <a:lvl1pPr algn="r" defTabSz="966788">
+            <a:lvl1pPr algn="r" defTabSz="931887">
               <a:defRPr sz="1300">
                 <a:latin typeface="Arial" charset="0"/>
               </a:defRPr>
@@ -548,8 +549,8 @@
         </p:nvSpPr>
         <p:spPr bwMode="auto">
           <a:xfrm>
-            <a:off x="1257300" y="720725"/>
-            <a:ext cx="4800600" cy="3600450"/>
+            <a:off x="406400" y="698500"/>
+            <a:ext cx="6197600" cy="3486150"/>
           </a:xfrm>
           <a:prstGeom prst="rect">
             <a:avLst/>
@@ -578,8 +579,8 @@
         </p:nvSpPr>
         <p:spPr bwMode="auto">
           <a:xfrm>
-            <a:off x="731838" y="4560888"/>
-            <a:ext cx="5851525" cy="4319587"/>
+            <a:off x="701345" y="4416099"/>
+            <a:ext cx="5607711" cy="4182457"/>
           </a:xfrm>
           <a:prstGeom prst="rect">
             <a:avLst/>
@@ -594,7 +595,7 @@
           <a:effectLst/>
         </p:spPr>
         <p:txBody>
-          <a:bodyPr vert="horz" wrap="square" lIns="96661" tIns="48331" rIns="96661" bIns="48331" numCol="1" anchor="t" anchorCtr="0" compatLnSpc="1">
+          <a:bodyPr vert="horz" wrap="square" lIns="93172" tIns="46586" rIns="93172" bIns="46586" numCol="1" anchor="t" anchorCtr="0" compatLnSpc="1">
             <a:prstTxWarp prst="textNoShape">
               <a:avLst/>
             </a:prstTxWarp>
@@ -649,8 +650,8 @@
         </p:nvSpPr>
         <p:spPr bwMode="auto">
           <a:xfrm>
-            <a:off x="0" y="9120188"/>
-            <a:ext cx="3170238" cy="479425"/>
+            <a:off x="0" y="8830659"/>
+            <a:ext cx="3038145" cy="464205"/>
           </a:xfrm>
           <a:prstGeom prst="rect">
             <a:avLst/>
@@ -665,13 +666,13 @@
           <a:effectLst/>
         </p:spPr>
         <p:txBody>
-          <a:bodyPr vert="horz" wrap="square" lIns="96661" tIns="48331" rIns="96661" bIns="48331" numCol="1" anchor="b" anchorCtr="0" compatLnSpc="1">
+          <a:bodyPr vert="horz" wrap="square" lIns="93172" tIns="46586" rIns="93172" bIns="46586" numCol="1" anchor="b" anchorCtr="0" compatLnSpc="1">
             <a:prstTxWarp prst="textNoShape">
               <a:avLst/>
             </a:prstTxWarp>
           </a:bodyPr>
           <a:lstStyle>
-            <a:lvl1pPr defTabSz="966788">
+            <a:lvl1pPr defTabSz="931887">
               <a:defRPr sz="1300">
                 <a:latin typeface="Arial" charset="0"/>
               </a:defRPr>
@@ -694,8 +695,8 @@
         </p:nvSpPr>
         <p:spPr bwMode="auto">
           <a:xfrm>
-            <a:off x="4143375" y="9120188"/>
-            <a:ext cx="3170238" cy="479425"/>
+            <a:off x="3970734" y="8830659"/>
+            <a:ext cx="3038145" cy="464205"/>
           </a:xfrm>
           <a:prstGeom prst="rect">
             <a:avLst/>
@@ -710,13 +711,13 @@
           <a:effectLst/>
         </p:spPr>
         <p:txBody>
-          <a:bodyPr vert="horz" wrap="square" lIns="96661" tIns="48331" rIns="96661" bIns="48331" numCol="1" anchor="b" anchorCtr="0" compatLnSpc="1">
+          <a:bodyPr vert="horz" wrap="square" lIns="93172" tIns="46586" rIns="93172" bIns="46586" numCol="1" anchor="b" anchorCtr="0" compatLnSpc="1">
             <a:prstTxWarp prst="textNoShape">
               <a:avLst/>
             </a:prstTxWarp>
           </a:bodyPr>
           <a:lstStyle>
-            <a:lvl1pPr algn="r" defTabSz="966788">
+            <a:lvl1pPr algn="r" defTabSz="931887">
               <a:defRPr sz="1300">
                 <a:latin typeface="Arial" charset="0"/>
               </a:defRPr>
@@ -2251,7 +2252,7 @@
           <a:p>
             <a:fld id="{216E0E02-55D8-4A62-964B-783B05293A72}" type="datetimeFigureOut">
               <a:rPr lang="es-HN" smtClean="0"/>
-              <a:t>11/1/2023</a:t>
+              <a:t>19/1/2023</a:t>
             </a:fld>
             <a:endParaRPr lang="es-HN"/>
           </a:p>
@@ -3997,6 +3998,194 @@
       <p:bldP spid="8" grpId="0" animBg="1"/>
     </p:bldLst>
   </p:timing>
+</p:sld>
+</file>
+
+<file path=ppt/slides/slide4.xml><?xml version="1.0" encoding="utf-8"?>
+<p:sld xmlns:a="http://schemas.openxmlformats.org/drawingml/2006/main" xmlns:r="http://schemas.openxmlformats.org/officeDocument/2006/relationships" xmlns:p="http://schemas.openxmlformats.org/presentationml/2006/main">
+  <p:cSld>
+    <p:spTree>
+      <p:nvGrpSpPr>
+        <p:cNvPr id="1" name=""/>
+        <p:cNvGrpSpPr/>
+        <p:nvPr/>
+      </p:nvGrpSpPr>
+      <p:grpSpPr>
+        <a:xfrm>
+          <a:off x="0" y="0"/>
+          <a:ext cx="0" cy="0"/>
+          <a:chOff x="0" y="0"/>
+          <a:chExt cx="0" cy="0"/>
+        </a:xfrm>
+      </p:grpSpPr>
+      <p:sp>
+        <p:nvSpPr>
+          <p:cNvPr id="5" name="Title 4">
+            <a:extLst>
+              <a:ext uri="{FF2B5EF4-FFF2-40B4-BE49-F238E27FC236}">
+                <a16:creationId xmlns:a16="http://schemas.microsoft.com/office/drawing/2014/main" id="{06B80CD8-6120-42F4-9C0D-4294A1762FDB}"/>
+              </a:ext>
+            </a:extLst>
+          </p:cNvPr>
+          <p:cNvSpPr>
+            <a:spLocks noGrp="1"/>
+          </p:cNvSpPr>
+          <p:nvPr>
+            <p:ph type="title"/>
+          </p:nvPr>
+        </p:nvSpPr>
+        <p:spPr/>
+        <p:txBody>
+          <a:bodyPr/>
+          <a:lstStyle/>
+          <a:p>
+            <a:r>
+              <a:rPr lang="en-US" dirty="0" err="1"/>
+              <a:t>FeatureScript</a:t>
+            </a:r>
+            <a:r>
+              <a:rPr lang="en-US" dirty="0"/>
+              <a:t> Demo</a:t>
+            </a:r>
+          </a:p>
+        </p:txBody>
+      </p:sp>
+      <p:sp>
+        <p:nvSpPr>
+          <p:cNvPr id="2" name="Content Placeholder 1">
+            <a:extLst>
+              <a:ext uri="{FF2B5EF4-FFF2-40B4-BE49-F238E27FC236}">
+                <a16:creationId xmlns:a16="http://schemas.microsoft.com/office/drawing/2014/main" id="{4E203461-12E0-4833-B800-F3C667964291}"/>
+              </a:ext>
+            </a:extLst>
+          </p:cNvPr>
+          <p:cNvSpPr>
+            <a:spLocks noGrp="1"/>
+          </p:cNvSpPr>
+          <p:nvPr>
+            <p:ph idx="1"/>
+          </p:nvPr>
+        </p:nvSpPr>
+        <p:spPr/>
+        <p:txBody>
+          <a:bodyPr/>
+          <a:lstStyle/>
+          <a:p>
+            <a:r>
+              <a:rPr lang="en-US" sz="1800" dirty="0"/>
+              <a:t>Start with a copy of Entrance Tank template</a:t>
+            </a:r>
+          </a:p>
+          <a:p>
+            <a:r>
+              <a:rPr lang="en-US" sz="1800" dirty="0"/>
+              <a:t>Make a rectangle in a sketch and define a config variable for a side</a:t>
+            </a:r>
+          </a:p>
+          <a:p>
+            <a:pPr lvl="1"/>
+            <a:r>
+              <a:rPr lang="en-US" sz="1600" dirty="0"/>
+              <a:t>Delete config</a:t>
+            </a:r>
+          </a:p>
+          <a:p>
+            <a:r>
+              <a:rPr lang="en-US" sz="1800" dirty="0"/>
+              <a:t>The feature list is just code being executed </a:t>
+            </a:r>
+          </a:p>
+          <a:p>
+            <a:r>
+              <a:rPr lang="en-US" sz="1800" dirty="0"/>
+              <a:t>Placing the feature in a part studio is the only way to execute </a:t>
+            </a:r>
+            <a:r>
+              <a:rPr lang="en-US" sz="1800" dirty="0" err="1"/>
+              <a:t>featurescript</a:t>
+            </a:r>
+            <a:r>
+              <a:rPr lang="en-US" sz="1800" dirty="0"/>
+              <a:t> (delete it, show variables, put it back)</a:t>
+            </a:r>
+          </a:p>
+          <a:p>
+            <a:r>
+              <a:rPr lang="en-US" sz="1800" dirty="0"/>
+              <a:t>Define a new variable in the design map (residence time)</a:t>
+            </a:r>
+          </a:p>
+          <a:p>
+            <a:r>
+              <a:rPr lang="en-US" sz="1800" dirty="0"/>
+              <a:t>Show variable name options</a:t>
+            </a:r>
+          </a:p>
+          <a:p>
+            <a:r>
+              <a:rPr lang="en-US" sz="1800" dirty="0"/>
+              <a:t>Monitor the Part Studio to show errors</a:t>
+            </a:r>
+          </a:p>
+          <a:p>
+            <a:r>
+              <a:rPr lang="en-US" sz="1800" dirty="0"/>
+              <a:t>Use the </a:t>
+            </a:r>
+            <a:r>
+              <a:rPr lang="en-US" sz="1800" dirty="0" err="1"/>
+              <a:t>featurescript</a:t>
+            </a:r>
+            <a:r>
+              <a:rPr lang="en-US" sz="1800" dirty="0"/>
+              <a:t> notices to track errors</a:t>
+            </a:r>
+          </a:p>
+          <a:p>
+            <a:r>
+              <a:rPr lang="en-US" sz="1800" dirty="0"/>
+              <a:t>Create H as an input</a:t>
+            </a:r>
+          </a:p>
+          <a:p>
+            <a:r>
+              <a:rPr lang="en-US" sz="1800" dirty="0"/>
+              <a:t>Calculate VOL and then L, W</a:t>
+            </a:r>
+          </a:p>
+          <a:p>
+            <a:r>
+              <a:rPr lang="en-US" sz="1800" dirty="0"/>
+              <a:t>Show how a variable can be used in any subsequent feature</a:t>
+            </a:r>
+          </a:p>
+          <a:p>
+            <a:r>
+              <a:rPr lang="en-US" sz="1800" dirty="0"/>
+              <a:t>Break the code by changing a variable name</a:t>
+            </a:r>
+          </a:p>
+          <a:p>
+            <a:r>
+              <a:rPr lang="en-US" sz="1800" dirty="0"/>
+              <a:t>Create a rectangular solid</a:t>
+            </a:r>
+          </a:p>
+        </p:txBody>
+      </p:sp>
+    </p:spTree>
+    <p:extLst>
+      <p:ext uri="{BB962C8B-B14F-4D97-AF65-F5344CB8AC3E}">
+        <p14:creationId xmlns:p14="http://schemas.microsoft.com/office/powerpoint/2010/main" val="3770010325"/>
+      </p:ext>
+    </p:extLst>
+  </p:cSld>
+  <p:clrMapOvr>
+    <a:masterClrMapping/>
+  </p:clrMapOvr>
+  <p:transition>
+    <p:fade/>
+  </p:transition>
 </p:sld>
 </file>
 
